--- a/Applied Data Science - Clustering.pptx
+++ b/Applied Data Science - Clustering.pptx
@@ -209,7 +209,7 @@
           <a:p>
             <a:fld id="{F1D2C95C-E6C5-47EE-A945-EBB416EE6C3F}" type="datetimeFigureOut">
               <a:rPr lang="en-US" smtClean="0"/>
-              <a:t>5/1/2017</a:t>
+              <a:t>5/5/2017</a:t>
             </a:fld>
             <a:endParaRPr lang="en-US"/>
           </a:p>
@@ -717,7 +717,7 @@
           <a:p>
             <a:fld id="{BF4D7DE9-04F8-4F0B-A692-02FE1DAE9F6D}" type="datetimeFigureOut">
               <a:rPr lang="en-US" smtClean="0"/>
-              <a:t>5/1/2017</a:t>
+              <a:t>5/5/2017</a:t>
             </a:fld>
             <a:endParaRPr lang="en-US"/>
           </a:p>
@@ -1092,7 +1092,7 @@
           <a:p>
             <a:fld id="{BF4D7DE9-04F8-4F0B-A692-02FE1DAE9F6D}" type="datetimeFigureOut">
               <a:rPr lang="en-US" smtClean="0"/>
-              <a:t>5/1/2017</a:t>
+              <a:t>5/5/2017</a:t>
             </a:fld>
             <a:endParaRPr lang="en-US"/>
           </a:p>
@@ -1297,7 +1297,7 @@
           <a:p>
             <a:fld id="{BF4D7DE9-04F8-4F0B-A692-02FE1DAE9F6D}" type="datetimeFigureOut">
               <a:rPr lang="en-US" smtClean="0"/>
-              <a:t>5/1/2017</a:t>
+              <a:t>5/5/2017</a:t>
             </a:fld>
             <a:endParaRPr lang="en-US"/>
           </a:p>
@@ -1477,7 +1477,7 @@
           <a:p>
             <a:fld id="{BF4D7DE9-04F8-4F0B-A692-02FE1DAE9F6D}" type="datetimeFigureOut">
               <a:rPr lang="en-US" smtClean="0"/>
-              <a:t>5/1/2017</a:t>
+              <a:t>5/5/2017</a:t>
             </a:fld>
             <a:endParaRPr lang="en-US"/>
           </a:p>
@@ -1708,7 +1708,7 @@
           <a:p>
             <a:fld id="{BF4D7DE9-04F8-4F0B-A692-02FE1DAE9F6D}" type="datetimeFigureOut">
               <a:rPr lang="en-US" smtClean="0"/>
-              <a:t>5/1/2017</a:t>
+              <a:t>5/5/2017</a:t>
             </a:fld>
             <a:endParaRPr lang="en-US"/>
           </a:p>
@@ -1972,7 +1972,7 @@
           <a:p>
             <a:fld id="{BF4D7DE9-04F8-4F0B-A692-02FE1DAE9F6D}" type="datetimeFigureOut">
               <a:rPr lang="en-US" smtClean="0"/>
-              <a:t>5/1/2017</a:t>
+              <a:t>5/5/2017</a:t>
             </a:fld>
             <a:endParaRPr lang="en-US"/>
           </a:p>
@@ -2351,7 +2351,7 @@
           <a:p>
             <a:fld id="{BF4D7DE9-04F8-4F0B-A692-02FE1DAE9F6D}" type="datetimeFigureOut">
               <a:rPr lang="en-US" smtClean="0"/>
-              <a:t>5/1/2017</a:t>
+              <a:t>5/5/2017</a:t>
             </a:fld>
             <a:endParaRPr lang="en-US"/>
           </a:p>
@@ -2808,7 +2808,7 @@
           <a:p>
             <a:fld id="{BF4D7DE9-04F8-4F0B-A692-02FE1DAE9F6D}" type="datetimeFigureOut">
               <a:rPr lang="en-US" smtClean="0"/>
-              <a:t>5/1/2017</a:t>
+              <a:t>5/5/2017</a:t>
             </a:fld>
             <a:endParaRPr lang="en-US"/>
           </a:p>
@@ -2933,7 +2933,7 @@
           <a:p>
             <a:fld id="{BF4D7DE9-04F8-4F0B-A692-02FE1DAE9F6D}" type="datetimeFigureOut">
               <a:rPr lang="en-US" smtClean="0"/>
-              <a:t>5/1/2017</a:t>
+              <a:t>5/5/2017</a:t>
             </a:fld>
             <a:endParaRPr lang="en-US"/>
           </a:p>
@@ -3035,7 +3035,7 @@
           <a:p>
             <a:fld id="{BF4D7DE9-04F8-4F0B-A692-02FE1DAE9F6D}" type="datetimeFigureOut">
               <a:rPr lang="en-US" smtClean="0"/>
-              <a:t>5/1/2017</a:t>
+              <a:t>5/5/2017</a:t>
             </a:fld>
             <a:endParaRPr lang="en-US"/>
           </a:p>
@@ -3135,7 +3135,7 @@
           <a:p>
             <a:fld id="{BF4D7DE9-04F8-4F0B-A692-02FE1DAE9F6D}" type="datetimeFigureOut">
               <a:rPr lang="en-US" smtClean="0"/>
-              <a:t>5/1/2017</a:t>
+              <a:t>5/5/2017</a:t>
             </a:fld>
             <a:endParaRPr lang="en-US"/>
           </a:p>
@@ -3513,7 +3513,7 @@
           <a:p>
             <a:fld id="{BF4D7DE9-04F8-4F0B-A692-02FE1DAE9F6D}" type="datetimeFigureOut">
               <a:rPr lang="en-US" smtClean="0"/>
-              <a:t>5/1/2017</a:t>
+              <a:t>5/5/2017</a:t>
             </a:fld>
             <a:endParaRPr lang="en-US"/>
           </a:p>
@@ -3733,7 +3733,7 @@
           <a:p>
             <a:fld id="{BF4D7DE9-04F8-4F0B-A692-02FE1DAE9F6D}" type="datetimeFigureOut">
               <a:rPr lang="en-US" smtClean="0"/>
-              <a:t>5/1/2017</a:t>
+              <a:t>5/5/2017</a:t>
             </a:fld>
             <a:endParaRPr lang="en-US"/>
           </a:p>
@@ -4393,7 +4393,11 @@
           <a:p>
             <a:r>
               <a:rPr lang="en-US" dirty="0" smtClean="0"/>
-              <a:t>Distance Metrics</a:t>
+              <a:t>SIMILARITY/Distance </a:t>
+            </a:r>
+            <a:r>
+              <a:rPr lang="en-US" dirty="0" smtClean="0"/>
+              <a:t>Metrics</a:t>
             </a:r>
             <a:endParaRPr lang="he-IL" dirty="0"/>
           </a:p>
@@ -4412,125 +4416,179 @@
         <p:spPr/>
         <p:txBody>
           <a:bodyPr>
-            <a:normAutofit fontScale="55000" lnSpcReduction="20000"/>
+            <a:normAutofit/>
           </a:bodyPr>
           <a:lstStyle/>
           <a:p>
-            <a:r>
-              <a:rPr lang="en-US" b="1" dirty="0"/>
-              <a:t>Euclidean (</a:t>
-            </a:r>
-            <a:r>
-              <a:rPr lang="en-US" b="1" dirty="0" err="1"/>
+            <a:pPr marL="457200" indent="-457200">
+              <a:buFont typeface="+mj-lt"/>
+              <a:buAutoNum type="arabicPeriod"/>
+            </a:pPr>
+            <a:r>
+              <a:rPr lang="en-US" b="1" dirty="0">
+                <a:solidFill>
+                  <a:schemeClr val="accent1"/>
+                </a:solidFill>
+              </a:rPr>
+              <a:t>Euclidean</a:t>
+            </a:r>
+            <a:r>
+              <a:rPr lang="en-US" dirty="0">
+                <a:solidFill>
+                  <a:schemeClr val="accent1"/>
+                </a:solidFill>
+              </a:rPr>
+              <a:t> </a:t>
+            </a:r>
+            <a:r>
+              <a:rPr lang="en-US" dirty="0"/>
+              <a:t>(</a:t>
+            </a:r>
+            <a:r>
+              <a:rPr lang="en-US" dirty="0" err="1"/>
               <a:t>euclidean</a:t>
             </a:r>
             <a:r>
-              <a:rPr lang="en-US" b="1" dirty="0"/>
-              <a:t> or l2): </a:t>
-            </a:r>
-            <a:r>
-              <a:rPr lang="en-US" dirty="0"/>
-              <a:t>As seen in K‐means</a:t>
-            </a:r>
-          </a:p>
-          <a:p>
-            <a:r>
-              <a:rPr lang="en-US" dirty="0"/>
-              <a:t>✓✓</a:t>
-            </a:r>
-            <a:r>
-              <a:rPr lang="en-US" b="1" dirty="0"/>
-              <a:t>Manhattan (</a:t>
-            </a:r>
-            <a:r>
-              <a:rPr lang="en-US" b="1" dirty="0" err="1"/>
+              <a:rPr lang="en-US" dirty="0"/>
+              <a:t> or l2</a:t>
+            </a:r>
+            <a:r>
+              <a:rPr lang="en-US" dirty="0" smtClean="0"/>
+              <a:t>)</a:t>
+            </a:r>
+            <a:endParaRPr lang="en-US" dirty="0"/>
+          </a:p>
+          <a:p>
+            <a:pPr marL="457200" indent="-457200">
+              <a:buFont typeface="+mj-lt"/>
+              <a:buAutoNum type="arabicPeriod"/>
+            </a:pPr>
+            <a:r>
+              <a:rPr lang="en-US" b="1" dirty="0" smtClean="0">
+                <a:solidFill>
+                  <a:schemeClr val="accent1"/>
+                </a:solidFill>
+              </a:rPr>
+              <a:t>Manhattan </a:t>
+            </a:r>
+            <a:r>
+              <a:rPr lang="en-US" dirty="0"/>
+              <a:t>(</a:t>
+            </a:r>
+            <a:r>
+              <a:rPr lang="en-US" dirty="0" err="1"/>
               <a:t>manhattan</a:t>
             </a:r>
             <a:r>
-              <a:rPr lang="en-US" b="1" dirty="0"/>
-              <a:t> or l1): </a:t>
-            </a:r>
-            <a:r>
-              <a:rPr lang="en-US" dirty="0"/>
-              <a:t>Similar to Euclidean, but the distance</a:t>
-            </a:r>
-          </a:p>
-          <a:p>
-            <a:r>
-              <a:rPr lang="en-US" dirty="0"/>
-              <a:t>is calculated by summing the absolute value of the difference between</a:t>
-            </a:r>
-          </a:p>
-          <a:p>
-            <a:r>
-              <a:rPr lang="en-US" dirty="0"/>
-              <a:t>the dimensions. In a map, if the Euclidean distance is the shortest route</a:t>
-            </a:r>
-          </a:p>
-          <a:p>
-            <a:r>
-              <a:rPr lang="en-US" dirty="0"/>
-              <a:t>between two points, the Manhattan distance implies moving straight,</a:t>
-            </a:r>
-          </a:p>
-          <a:p>
-            <a:r>
-              <a:rPr lang="en-US" dirty="0"/>
-              <a:t>first along one axis and then along the other — as a car in the city</a:t>
-            </a:r>
-          </a:p>
-          <a:p>
-            <a:r>
-              <a:rPr lang="en-US" dirty="0"/>
-              <a:t>would, reaching a destination by driving along city blocks (the distance</a:t>
-            </a:r>
-          </a:p>
-          <a:p>
-            <a:r>
-              <a:rPr lang="en-US" dirty="0"/>
-              <a:t>is also known as city block distance</a:t>
+              <a:rPr lang="en-US" dirty="0"/>
+              <a:t> or l1</a:t>
             </a:r>
             <a:r>
               <a:rPr lang="en-US" dirty="0" smtClean="0"/>
-              <a:t>).</a:t>
-            </a:r>
-          </a:p>
-          <a:p>
+              <a:t>) </a:t>
+            </a:r>
+          </a:p>
+          <a:p>
+            <a:pPr marL="630936" lvl="1" indent="-457200">
+              <a:buFont typeface="+mj-lt"/>
+              <a:buAutoNum type="arabicPeriod"/>
+            </a:pPr>
+            <a:r>
+              <a:rPr lang="en-US" dirty="0" smtClean="0"/>
+              <a:t>also </a:t>
+            </a:r>
+            <a:r>
+              <a:rPr lang="en-US" dirty="0"/>
+              <a:t>known as city block </a:t>
+            </a:r>
+            <a:r>
+              <a:rPr lang="en-US" dirty="0" smtClean="0"/>
+              <a:t>distance</a:t>
+            </a:r>
+            <a:endParaRPr lang="en-US" dirty="0" smtClean="0"/>
+          </a:p>
+          <a:p>
+            <a:pPr marL="457200" indent="-457200">
+              <a:buFont typeface="+mj-lt"/>
+              <a:buAutoNum type="arabicPeriod"/>
+            </a:pPr>
+            <a:r>
+              <a:rPr lang="en-US" b="1" dirty="0" smtClean="0">
+                <a:solidFill>
+                  <a:schemeClr val="accent1"/>
+                </a:solidFill>
+              </a:rPr>
+              <a:t>Cosine</a:t>
+            </a:r>
             <a:r>
               <a:rPr lang="en-US" b="1" dirty="0" smtClean="0"/>
-              <a:t>Cosine </a:t>
-            </a:r>
-            <a:r>
-              <a:rPr lang="en-US" b="1" dirty="0"/>
-              <a:t>(cosine): </a:t>
-            </a:r>
-            <a:r>
-              <a:rPr lang="en-US" dirty="0"/>
-              <a:t>A good choice when there are too many variables and</a:t>
-            </a:r>
-          </a:p>
-          <a:p>
-            <a:r>
-              <a:rPr lang="en-US" dirty="0"/>
-              <a:t>you worry that some variable may not be significant (just noise). Cosine</a:t>
-            </a:r>
-          </a:p>
-          <a:p>
-            <a:r>
-              <a:rPr lang="en-US" dirty="0"/>
-              <a:t>distance reduces noise by taking the shape of the variables, more than</a:t>
-            </a:r>
-          </a:p>
-          <a:p>
-            <a:r>
-              <a:rPr lang="en-US" dirty="0"/>
-              <a:t>their values, into account. It tends to associate observations that have the</a:t>
-            </a:r>
-          </a:p>
-          <a:p>
-            <a:r>
-              <a:rPr lang="en-US" dirty="0"/>
-              <a:t>same maximum and minimum variables, regardless of their effective value.</a:t>
+              <a:t> </a:t>
+            </a:r>
+            <a:r>
+              <a:rPr lang="en-US" dirty="0"/>
+              <a:t>(</a:t>
+            </a:r>
+            <a:r>
+              <a:rPr lang="en-US" dirty="0" smtClean="0"/>
+              <a:t>cosine)</a:t>
+            </a:r>
+          </a:p>
+          <a:p>
+            <a:pPr marL="470916" lvl="1" indent="-342900">
+              <a:buFont typeface="+mj-lt"/>
+              <a:buAutoNum type="arabicPeriod"/>
+            </a:pPr>
+            <a:r>
+              <a:rPr lang="en-US" dirty="0" smtClean="0"/>
+              <a:t>Take the shape more than the values into account</a:t>
+            </a:r>
+          </a:p>
+          <a:p>
+            <a:pPr marL="470916" lvl="1" indent="-342900">
+              <a:buFont typeface="+mj-lt"/>
+              <a:buAutoNum type="arabicPeriod"/>
+            </a:pPr>
+            <a:r>
+              <a:rPr lang="en-US" dirty="0" smtClean="0"/>
+              <a:t>A </a:t>
+            </a:r>
+            <a:r>
+              <a:rPr lang="en-US" dirty="0"/>
+              <a:t>good choice when there are too many variables </a:t>
+            </a:r>
+            <a:r>
+              <a:rPr lang="en-US" dirty="0" smtClean="0"/>
+              <a:t>and some may not </a:t>
+            </a:r>
+            <a:r>
+              <a:rPr lang="en-US" dirty="0"/>
+              <a:t>be significant (just noise</a:t>
+            </a:r>
+            <a:r>
+              <a:rPr lang="en-US" dirty="0" smtClean="0"/>
+              <a:t>)</a:t>
+            </a:r>
+          </a:p>
+          <a:p>
+            <a:pPr marL="470916" lvl="1" indent="-342900">
+              <a:buFont typeface="+mj-lt"/>
+              <a:buAutoNum type="arabicPeriod"/>
+            </a:pPr>
+            <a:r>
+              <a:rPr lang="en-US" dirty="0" smtClean="0"/>
+              <a:t>tends </a:t>
+            </a:r>
+            <a:r>
+              <a:rPr lang="en-US" dirty="0"/>
+              <a:t>to associate observations that have </a:t>
+            </a:r>
+            <a:r>
+              <a:rPr lang="en-US" dirty="0" smtClean="0"/>
+              <a:t>the same </a:t>
+            </a:r>
+            <a:r>
+              <a:rPr lang="en-US" dirty="0"/>
+              <a:t>maximum and minimum variables, regardless of their effective value.</a:t>
             </a:r>
             <a:endParaRPr lang="he-IL" dirty="0"/>
           </a:p>
